--- a/자료/Spring.pptx
+++ b/자료/Spring.pptx
@@ -8,6 +8,7 @@
     <p:sldId id="257" r:id="rId2"/>
     <p:sldId id="258" r:id="rId3"/>
     <p:sldId id="259" r:id="rId4"/>
+    <p:sldId id="260" r:id="rId5"/>
   </p:sldIdLst>
   <p:sldSz cx="12192000" cy="6858000"/>
   <p:notesSz cx="6858000" cy="9144000"/>
@@ -261,7 +262,7 @@
           <a:p>
             <a:fld id="{4B02B0B8-2A4C-4D0B-8347-8F95466FDFF3}" type="datetimeFigureOut">
               <a:rPr lang="ko-KR" altLang="en-US" smtClean="0"/>
-              <a:t>2023-11-20</a:t>
+              <a:t>2023-12-02</a:t>
             </a:fld>
             <a:endParaRPr lang="ko-KR" altLang="en-US"/>
           </a:p>
@@ -459,7 +460,7 @@
           <a:p>
             <a:fld id="{4B02B0B8-2A4C-4D0B-8347-8F95466FDFF3}" type="datetimeFigureOut">
               <a:rPr lang="ko-KR" altLang="en-US" smtClean="0"/>
-              <a:t>2023-11-20</a:t>
+              <a:t>2023-12-02</a:t>
             </a:fld>
             <a:endParaRPr lang="ko-KR" altLang="en-US"/>
           </a:p>
@@ -667,7 +668,7 @@
           <a:p>
             <a:fld id="{4B02B0B8-2A4C-4D0B-8347-8F95466FDFF3}" type="datetimeFigureOut">
               <a:rPr lang="ko-KR" altLang="en-US" smtClean="0"/>
-              <a:t>2023-11-20</a:t>
+              <a:t>2023-12-02</a:t>
             </a:fld>
             <a:endParaRPr lang="ko-KR" altLang="en-US"/>
           </a:p>
@@ -865,7 +866,7 @@
           <a:p>
             <a:fld id="{4B02B0B8-2A4C-4D0B-8347-8F95466FDFF3}" type="datetimeFigureOut">
               <a:rPr lang="ko-KR" altLang="en-US" smtClean="0"/>
-              <a:t>2023-11-20</a:t>
+              <a:t>2023-12-02</a:t>
             </a:fld>
             <a:endParaRPr lang="ko-KR" altLang="en-US"/>
           </a:p>
@@ -1140,7 +1141,7 @@
           <a:p>
             <a:fld id="{4B02B0B8-2A4C-4D0B-8347-8F95466FDFF3}" type="datetimeFigureOut">
               <a:rPr lang="ko-KR" altLang="en-US" smtClean="0"/>
-              <a:t>2023-11-20</a:t>
+              <a:t>2023-12-02</a:t>
             </a:fld>
             <a:endParaRPr lang="ko-KR" altLang="en-US"/>
           </a:p>
@@ -1405,7 +1406,7 @@
           <a:p>
             <a:fld id="{4B02B0B8-2A4C-4D0B-8347-8F95466FDFF3}" type="datetimeFigureOut">
               <a:rPr lang="ko-KR" altLang="en-US" smtClean="0"/>
-              <a:t>2023-11-20</a:t>
+              <a:t>2023-12-02</a:t>
             </a:fld>
             <a:endParaRPr lang="ko-KR" altLang="en-US"/>
           </a:p>
@@ -1817,7 +1818,7 @@
           <a:p>
             <a:fld id="{4B02B0B8-2A4C-4D0B-8347-8F95466FDFF3}" type="datetimeFigureOut">
               <a:rPr lang="ko-KR" altLang="en-US" smtClean="0"/>
-              <a:t>2023-11-20</a:t>
+              <a:t>2023-12-02</a:t>
             </a:fld>
             <a:endParaRPr lang="ko-KR" altLang="en-US"/>
           </a:p>
@@ -1958,7 +1959,7 @@
           <a:p>
             <a:fld id="{4B02B0B8-2A4C-4D0B-8347-8F95466FDFF3}" type="datetimeFigureOut">
               <a:rPr lang="ko-KR" altLang="en-US" smtClean="0"/>
-              <a:t>2023-11-20</a:t>
+              <a:t>2023-12-02</a:t>
             </a:fld>
             <a:endParaRPr lang="ko-KR" altLang="en-US"/>
           </a:p>
@@ -2071,7 +2072,7 @@
           <a:p>
             <a:fld id="{4B02B0B8-2A4C-4D0B-8347-8F95466FDFF3}" type="datetimeFigureOut">
               <a:rPr lang="ko-KR" altLang="en-US" smtClean="0"/>
-              <a:t>2023-11-20</a:t>
+              <a:t>2023-12-02</a:t>
             </a:fld>
             <a:endParaRPr lang="ko-KR" altLang="en-US"/>
           </a:p>
@@ -2382,7 +2383,7 @@
           <a:p>
             <a:fld id="{4B02B0B8-2A4C-4D0B-8347-8F95466FDFF3}" type="datetimeFigureOut">
               <a:rPr lang="ko-KR" altLang="en-US" smtClean="0"/>
-              <a:t>2023-11-20</a:t>
+              <a:t>2023-12-02</a:t>
             </a:fld>
             <a:endParaRPr lang="ko-KR" altLang="en-US"/>
           </a:p>
@@ -2670,7 +2671,7 @@
           <a:p>
             <a:fld id="{4B02B0B8-2A4C-4D0B-8347-8F95466FDFF3}" type="datetimeFigureOut">
               <a:rPr lang="ko-KR" altLang="en-US" smtClean="0"/>
-              <a:t>2023-11-20</a:t>
+              <a:t>2023-12-02</a:t>
             </a:fld>
             <a:endParaRPr lang="ko-KR" altLang="en-US"/>
           </a:p>
@@ -2911,7 +2912,7 @@
           <a:p>
             <a:fld id="{4B02B0B8-2A4C-4D0B-8347-8F95466FDFF3}" type="datetimeFigureOut">
               <a:rPr lang="ko-KR" altLang="en-US" smtClean="0"/>
-              <a:t>2023-11-20</a:t>
+              <a:t>2023-12-02</a:t>
             </a:fld>
             <a:endParaRPr lang="ko-KR" altLang="en-US"/>
           </a:p>
@@ -4292,22 +4293,21 @@
           <a:lstStyle/>
           <a:p>
             <a:r>
-              <a:rPr lang="en-US" altLang="ko-KR"/>
+              <a:rPr lang="en-US" altLang="ko-KR" dirty="0"/>
               <a:t>1-3 </a:t>
             </a:r>
             <a:r>
-              <a:rPr lang="ko-KR" altLang="en-US"/>
+              <a:rPr lang="ko-KR" altLang="en-US" dirty="0"/>
               <a:t>스프링과 </a:t>
             </a:r>
             <a:r>
-              <a:rPr lang="en-US" altLang="ko-KR"/>
+              <a:rPr lang="en-US" altLang="ko-KR" dirty="0"/>
               <a:t>Oracle Database </a:t>
             </a:r>
             <a:r>
-              <a:rPr lang="ko-KR" altLang="en-US"/>
+              <a:rPr lang="ko-KR" altLang="en-US" dirty="0"/>
               <a:t>연동</a:t>
             </a:r>
-            <a:endParaRPr lang="ko-KR" altLang="en-US" dirty="0"/>
           </a:p>
         </p:txBody>
       </p:sp>
@@ -4889,6 +4889,487 @@
     <p:extLst>
       <p:ext uri="{BB962C8B-B14F-4D97-AF65-F5344CB8AC3E}">
         <p14:creationId xmlns:p14="http://schemas.microsoft.com/office/powerpoint/2010/main" val="3697020284"/>
+      </p:ext>
+    </p:extLst>
+  </p:cSld>
+  <p:clrMapOvr>
+    <a:masterClrMapping/>
+  </p:clrMapOvr>
+</p:sld>
+</file>
+
+<file path=ppt/slides/slide4.xml><?xml version="1.0" encoding="utf-8"?>
+<p:sld xmlns:a="http://schemas.openxmlformats.org/drawingml/2006/main" xmlns:r="http://schemas.openxmlformats.org/officeDocument/2006/relationships" xmlns:p="http://schemas.openxmlformats.org/presentationml/2006/main">
+  <p:cSld>
+    <p:spTree>
+      <p:nvGrpSpPr>
+        <p:cNvPr id="1" name=""/>
+        <p:cNvGrpSpPr/>
+        <p:nvPr/>
+      </p:nvGrpSpPr>
+      <p:grpSpPr>
+        <a:xfrm>
+          <a:off x="0" y="0"/>
+          <a:ext cx="0" cy="0"/>
+          <a:chOff x="0" y="0"/>
+          <a:chExt cx="0" cy="0"/>
+        </a:xfrm>
+      </p:grpSpPr>
+      <p:sp>
+        <p:nvSpPr>
+          <p:cNvPr id="2" name="제목 1">
+            <a:extLst>
+              <a:ext uri="{FF2B5EF4-FFF2-40B4-BE49-F238E27FC236}">
+                <a16:creationId xmlns:a16="http://schemas.microsoft.com/office/drawing/2014/main" id="{36DBF28C-9BF5-4F32-3DFB-9B29AF498CBF}"/>
+              </a:ext>
+            </a:extLst>
+          </p:cNvPr>
+          <p:cNvSpPr>
+            <a:spLocks noGrp="1"/>
+          </p:cNvSpPr>
+          <p:nvPr>
+            <p:ph type="title"/>
+          </p:nvPr>
+        </p:nvSpPr>
+        <p:spPr>
+          <a:xfrm>
+            <a:off x="0" y="18255"/>
+            <a:ext cx="10515600" cy="1325563"/>
+          </a:xfrm>
+        </p:spPr>
+        <p:txBody>
+          <a:bodyPr/>
+          <a:lstStyle/>
+          <a:p>
+            <a:r>
+              <a:rPr lang="en-US" altLang="ko-KR" dirty="0"/>
+              <a:t>1-4 </a:t>
+            </a:r>
+            <a:r>
+              <a:rPr lang="en-US" altLang="ko-KR" dirty="0" err="1"/>
+              <a:t>MyBatis</a:t>
+            </a:r>
+            <a:r>
+              <a:rPr lang="ko-KR" altLang="en-US" dirty="0"/>
+              <a:t>와 스프링 연동</a:t>
+            </a:r>
+          </a:p>
+        </p:txBody>
+      </p:sp>
+      <p:sp>
+        <p:nvSpPr>
+          <p:cNvPr id="3" name="내용 개체 틀 2">
+            <a:extLst>
+              <a:ext uri="{FF2B5EF4-FFF2-40B4-BE49-F238E27FC236}">
+                <a16:creationId xmlns:a16="http://schemas.microsoft.com/office/drawing/2014/main" id="{A1986E40-F488-6141-2F5F-8EFD626FB21B}"/>
+              </a:ext>
+            </a:extLst>
+          </p:cNvPr>
+          <p:cNvSpPr>
+            <a:spLocks noGrp="1"/>
+          </p:cNvSpPr>
+          <p:nvPr>
+            <p:ph idx="1"/>
+          </p:nvPr>
+        </p:nvSpPr>
+        <p:spPr>
+          <a:xfrm>
+            <a:off x="0" y="1343818"/>
+            <a:ext cx="10515600" cy="5393866"/>
+          </a:xfrm>
+        </p:spPr>
+        <p:txBody>
+          <a:bodyPr>
+            <a:normAutofit/>
+          </a:bodyPr>
+          <a:lstStyle/>
+          <a:p>
+            <a:pPr marL="0" indent="0">
+              <a:buNone/>
+            </a:pPr>
+            <a:r>
+              <a:rPr lang="en-US" altLang="ko-KR" sz="1200" b="1" dirty="0" err="1">
+                <a:solidFill>
+                  <a:prstClr val="black"/>
+                </a:solidFill>
+                <a:latin typeface="맑은 고딕" panose="020F0502020204030204"/>
+                <a:ea typeface="맑은 고딕" panose="020B0503020000020004" pitchFamily="50" charset="-127"/>
+              </a:rPr>
+              <a:t>MyBatis</a:t>
+            </a:r>
+            <a:endParaRPr lang="en-US" altLang="ko-KR" sz="1200" b="1" dirty="0">
+              <a:solidFill>
+                <a:prstClr val="black"/>
+              </a:solidFill>
+              <a:latin typeface="맑은 고딕" panose="020F0502020204030204"/>
+              <a:ea typeface="맑은 고딕" panose="020B0503020000020004" pitchFamily="50" charset="-127"/>
+            </a:endParaRPr>
+          </a:p>
+          <a:p>
+            <a:pPr marL="0" indent="0">
+              <a:buNone/>
+            </a:pPr>
+            <a:r>
+              <a:rPr lang="en-US" altLang="ko-KR" sz="1200" dirty="0">
+                <a:solidFill>
+                  <a:prstClr val="black"/>
+                </a:solidFill>
+                <a:latin typeface="맑은 고딕" panose="020F0502020204030204"/>
+                <a:ea typeface="맑은 고딕" panose="020B0503020000020004" pitchFamily="50" charset="-127"/>
+              </a:rPr>
+              <a:t>- SQL</a:t>
+            </a:r>
+            <a:r>
+              <a:rPr lang="ko-KR" altLang="en-US" sz="1200" dirty="0">
+                <a:solidFill>
+                  <a:prstClr val="black"/>
+                </a:solidFill>
+                <a:latin typeface="맑은 고딕" panose="020F0502020204030204"/>
+                <a:ea typeface="맑은 고딕" panose="020B0503020000020004" pitchFamily="50" charset="-127"/>
+              </a:rPr>
+              <a:t> 매핑 프레임워크</a:t>
+            </a:r>
+            <a:r>
+              <a:rPr lang="en-US" altLang="ko-KR" sz="1200" dirty="0">
+                <a:solidFill>
+                  <a:prstClr val="black"/>
+                </a:solidFill>
+                <a:latin typeface="맑은 고딕" panose="020F0502020204030204"/>
+                <a:ea typeface="맑은 고딕" panose="020B0503020000020004" pitchFamily="50" charset="-127"/>
+              </a:rPr>
+              <a:t>, JDBC </a:t>
+            </a:r>
+            <a:r>
+              <a:rPr lang="ko-KR" altLang="en-US" sz="1200" dirty="0">
+                <a:solidFill>
+                  <a:prstClr val="black"/>
+                </a:solidFill>
+                <a:latin typeface="맑은 고딕" panose="020F0502020204030204"/>
+                <a:ea typeface="맑은 고딕" panose="020B0503020000020004" pitchFamily="50" charset="-127"/>
+              </a:rPr>
+              <a:t>코드의 복잡하고 지루한 작업을 피하는 용도로 많이 사용됨</a:t>
+            </a:r>
+            <a:r>
+              <a:rPr lang="en-US" altLang="ko-KR" sz="1200" dirty="0">
+                <a:solidFill>
+                  <a:prstClr val="black"/>
+                </a:solidFill>
+                <a:latin typeface="맑은 고딕" panose="020F0502020204030204"/>
+                <a:ea typeface="맑은 고딕" panose="020B0503020000020004" pitchFamily="50" charset="-127"/>
+              </a:rPr>
+              <a:t>.</a:t>
+            </a:r>
+          </a:p>
+          <a:p>
+            <a:pPr marL="0" indent="0">
+              <a:buNone/>
+            </a:pPr>
+            <a:r>
+              <a:rPr lang="en-US" altLang="ko-KR" sz="1200" dirty="0">
+                <a:solidFill>
+                  <a:prstClr val="black"/>
+                </a:solidFill>
+                <a:latin typeface="맑은 고딕" panose="020F0502020204030204"/>
+                <a:ea typeface="맑은 고딕" panose="020B0503020000020004" pitchFamily="50" charset="-127"/>
+              </a:rPr>
+              <a:t>- </a:t>
+            </a:r>
+            <a:r>
+              <a:rPr lang="en-US" altLang="ko-KR" sz="1200" dirty="0" err="1">
+                <a:solidFill>
+                  <a:prstClr val="black"/>
+                </a:solidFill>
+                <a:latin typeface="맑은 고딕" panose="020F0502020204030204"/>
+                <a:ea typeface="맑은 고딕" panose="020B0503020000020004" pitchFamily="50" charset="-127"/>
+              </a:rPr>
+              <a:t>MyBatis</a:t>
+            </a:r>
+            <a:r>
+              <a:rPr lang="ko-KR" altLang="en-US" sz="1200" dirty="0">
+                <a:solidFill>
+                  <a:prstClr val="black"/>
+                </a:solidFill>
+                <a:latin typeface="맑은 고딕" panose="020F0502020204030204"/>
+                <a:ea typeface="맑은 고딕" panose="020B0503020000020004" pitchFamily="50" charset="-127"/>
+              </a:rPr>
+              <a:t>에서 가장 핵심적인 객체는 </a:t>
+            </a:r>
+            <a:r>
+              <a:rPr lang="en-US" altLang="ko-KR" sz="1200" dirty="0" err="1">
+                <a:solidFill>
+                  <a:prstClr val="black"/>
+                </a:solidFill>
+                <a:latin typeface="맑은 고딕" panose="020F0502020204030204"/>
+                <a:ea typeface="맑은 고딕" panose="020B0503020000020004" pitchFamily="50" charset="-127"/>
+              </a:rPr>
+              <a:t>SQLSession</a:t>
+            </a:r>
+            <a:r>
+              <a:rPr lang="en-US" altLang="ko-KR" sz="1200" dirty="0">
+                <a:solidFill>
+                  <a:prstClr val="black"/>
+                </a:solidFill>
+                <a:latin typeface="맑은 고딕" panose="020F0502020204030204"/>
+                <a:ea typeface="맑은 고딕" panose="020B0503020000020004" pitchFamily="50" charset="-127"/>
+              </a:rPr>
+              <a:t>, </a:t>
+            </a:r>
+            <a:r>
+              <a:rPr lang="en-US" altLang="ko-KR" sz="1200" dirty="0" err="1">
+                <a:solidFill>
+                  <a:prstClr val="black"/>
+                </a:solidFill>
+                <a:latin typeface="맑은 고딕" panose="020F0502020204030204"/>
+                <a:ea typeface="맑은 고딕" panose="020B0503020000020004" pitchFamily="50" charset="-127"/>
+              </a:rPr>
+              <a:t>SQLSessionFactory</a:t>
+            </a:r>
+            <a:r>
+              <a:rPr lang="ko-KR" altLang="en-US" sz="1200" dirty="0">
+                <a:solidFill>
+                  <a:prstClr val="black"/>
+                </a:solidFill>
+                <a:latin typeface="맑은 고딕" panose="020F0502020204030204"/>
+                <a:ea typeface="맑은 고딕" panose="020B0503020000020004" pitchFamily="50" charset="-127"/>
+              </a:rPr>
+              <a:t>인데 </a:t>
+            </a:r>
+            <a:r>
+              <a:rPr lang="en-US" altLang="ko-KR" sz="1200" dirty="0" err="1">
+                <a:solidFill>
+                  <a:prstClr val="black"/>
+                </a:solidFill>
+                <a:latin typeface="맑은 고딕" panose="020F0502020204030204"/>
+                <a:ea typeface="맑은 고딕" panose="020B0503020000020004" pitchFamily="50" charset="-127"/>
+              </a:rPr>
+              <a:t>SQLSessionFactory</a:t>
+            </a:r>
+            <a:r>
+              <a:rPr lang="ko-KR" altLang="en-US" sz="1200" dirty="0">
+                <a:solidFill>
+                  <a:prstClr val="black"/>
+                </a:solidFill>
+                <a:latin typeface="맑은 고딕" panose="020F0502020204030204"/>
+                <a:ea typeface="맑은 고딕" panose="020B0503020000020004" pitchFamily="50" charset="-127"/>
+              </a:rPr>
+              <a:t>는 내부적으로 </a:t>
+            </a:r>
+            <a:r>
+              <a:rPr lang="en-US" altLang="ko-KR" sz="1200" dirty="0" err="1">
+                <a:solidFill>
+                  <a:prstClr val="black"/>
+                </a:solidFill>
+                <a:latin typeface="맑은 고딕" panose="020F0502020204030204"/>
+                <a:ea typeface="맑은 고딕" panose="020B0503020000020004" pitchFamily="50" charset="-127"/>
+              </a:rPr>
+              <a:t>SQLSession</a:t>
+            </a:r>
+            <a:r>
+              <a:rPr lang="ko-KR" altLang="en-US" sz="1200" dirty="0">
+                <a:solidFill>
+                  <a:prstClr val="black"/>
+                </a:solidFill>
+                <a:latin typeface="맑은 고딕" panose="020F0502020204030204"/>
+                <a:ea typeface="맑은 고딕" panose="020B0503020000020004" pitchFamily="50" charset="-127"/>
+              </a:rPr>
+              <a:t>을 생성하고</a:t>
+            </a:r>
+            <a:endParaRPr lang="en-US" altLang="ko-KR" sz="1200" dirty="0">
+              <a:solidFill>
+                <a:prstClr val="black"/>
+              </a:solidFill>
+              <a:latin typeface="맑은 고딕" panose="020F0502020204030204"/>
+              <a:ea typeface="맑은 고딕" panose="020B0503020000020004" pitchFamily="50" charset="-127"/>
+            </a:endParaRPr>
+          </a:p>
+          <a:p>
+            <a:pPr marL="0" indent="0">
+              <a:buNone/>
+            </a:pPr>
+            <a:r>
+              <a:rPr lang="ko-KR" altLang="en-US" sz="1200" dirty="0">
+                <a:solidFill>
+                  <a:prstClr val="black"/>
+                </a:solidFill>
+                <a:latin typeface="맑은 고딕" panose="020F0502020204030204"/>
+                <a:ea typeface="맑은 고딕" panose="020B0503020000020004" pitchFamily="50" charset="-127"/>
+              </a:rPr>
+              <a:t>개발자는 </a:t>
+            </a:r>
+            <a:r>
+              <a:rPr lang="en-US" altLang="ko-KR" sz="1200" dirty="0" err="1">
+                <a:solidFill>
+                  <a:prstClr val="black"/>
+                </a:solidFill>
+                <a:latin typeface="맑은 고딕" panose="020F0502020204030204"/>
+                <a:ea typeface="맑은 고딕" panose="020B0503020000020004" pitchFamily="50" charset="-127"/>
+              </a:rPr>
+              <a:t>SQLSession</a:t>
+            </a:r>
+            <a:r>
+              <a:rPr lang="ko-KR" altLang="en-US" sz="1200" dirty="0">
+                <a:solidFill>
+                  <a:prstClr val="black"/>
+                </a:solidFill>
+                <a:latin typeface="맑은 고딕" panose="020F0502020204030204"/>
+                <a:ea typeface="맑은 고딕" panose="020B0503020000020004" pitchFamily="50" charset="-127"/>
+              </a:rPr>
+              <a:t>을 통해서 </a:t>
+            </a:r>
+            <a:r>
+              <a:rPr lang="en-US" altLang="ko-KR" sz="1200" dirty="0">
+                <a:solidFill>
+                  <a:prstClr val="black"/>
+                </a:solidFill>
+                <a:latin typeface="맑은 고딕" panose="020F0502020204030204"/>
+                <a:ea typeface="맑은 고딕" panose="020B0503020000020004" pitchFamily="50" charset="-127"/>
+              </a:rPr>
+              <a:t>Connection</a:t>
+            </a:r>
+            <a:r>
+              <a:rPr lang="ko-KR" altLang="en-US" sz="1200" dirty="0">
+                <a:solidFill>
+                  <a:prstClr val="black"/>
+                </a:solidFill>
+                <a:latin typeface="맑은 고딕" panose="020F0502020204030204"/>
+                <a:ea typeface="맑은 고딕" panose="020B0503020000020004" pitchFamily="50" charset="-127"/>
+              </a:rPr>
+              <a:t>을 생성하거나 원하는 </a:t>
+            </a:r>
+            <a:r>
+              <a:rPr lang="en-US" altLang="ko-KR" sz="1200" dirty="0">
+                <a:solidFill>
+                  <a:prstClr val="black"/>
+                </a:solidFill>
+                <a:latin typeface="맑은 고딕" panose="020F0502020204030204"/>
+                <a:ea typeface="맑은 고딕" panose="020B0503020000020004" pitchFamily="50" charset="-127"/>
+              </a:rPr>
+              <a:t>SQL</a:t>
+            </a:r>
+            <a:r>
+              <a:rPr lang="ko-KR" altLang="en-US" sz="1200" dirty="0">
+                <a:solidFill>
+                  <a:prstClr val="black"/>
+                </a:solidFill>
+                <a:latin typeface="맑은 고딕" panose="020F0502020204030204"/>
+                <a:ea typeface="맑은 고딕" panose="020B0503020000020004" pitchFamily="50" charset="-127"/>
+              </a:rPr>
+              <a:t>을 전달하고 결과를 리턴 받는 구조이다</a:t>
+            </a:r>
+            <a:r>
+              <a:rPr lang="en-US" altLang="ko-KR" sz="1200" dirty="0">
+                <a:solidFill>
+                  <a:prstClr val="black"/>
+                </a:solidFill>
+                <a:latin typeface="맑은 고딕" panose="020F0502020204030204"/>
+                <a:ea typeface="맑은 고딕" panose="020B0503020000020004" pitchFamily="50" charset="-127"/>
+              </a:rPr>
+              <a:t>.</a:t>
+            </a:r>
+          </a:p>
+          <a:p>
+            <a:pPr marL="0" indent="0">
+              <a:buNone/>
+            </a:pPr>
+            <a:r>
+              <a:rPr lang="en-US" altLang="ko-KR" sz="1200" dirty="0">
+                <a:solidFill>
+                  <a:prstClr val="black"/>
+                </a:solidFill>
+                <a:latin typeface="맑은 고딕" panose="020F0502020204030204"/>
+                <a:ea typeface="맑은 고딕" panose="020B0503020000020004" pitchFamily="50" charset="-127"/>
+              </a:rPr>
+              <a:t>- Mapper: SQL</a:t>
+            </a:r>
+            <a:r>
+              <a:rPr lang="ko-KR" altLang="en-US" sz="1200" dirty="0">
+                <a:solidFill>
+                  <a:prstClr val="black"/>
+                </a:solidFill>
+                <a:latin typeface="맑은 고딕" panose="020F0502020204030204"/>
+                <a:ea typeface="맑은 고딕" panose="020B0503020000020004" pitchFamily="50" charset="-127"/>
+              </a:rPr>
+              <a:t>과 그에 대한 처리를 지정하는 역할</a:t>
+            </a:r>
+            <a:r>
+              <a:rPr lang="en-US" altLang="ko-KR" sz="1200" dirty="0">
+                <a:solidFill>
+                  <a:prstClr val="black"/>
+                </a:solidFill>
+                <a:latin typeface="맑은 고딕" panose="020F0502020204030204"/>
+                <a:ea typeface="맑은 고딕" panose="020B0503020000020004" pitchFamily="50" charset="-127"/>
+              </a:rPr>
+              <a:t>, XML</a:t>
+            </a:r>
+            <a:r>
+              <a:rPr lang="ko-KR" altLang="en-US" sz="1200" dirty="0">
+                <a:solidFill>
+                  <a:prstClr val="black"/>
+                </a:solidFill>
+                <a:latin typeface="맑은 고딕" panose="020F0502020204030204"/>
+                <a:ea typeface="맑은 고딕" panose="020B0503020000020004" pitchFamily="50" charset="-127"/>
+              </a:rPr>
+              <a:t>과 인터페이스 </a:t>
+            </a:r>
+            <a:r>
+              <a:rPr lang="en-US" altLang="ko-KR" sz="1200" dirty="0">
+                <a:solidFill>
+                  <a:prstClr val="black"/>
+                </a:solidFill>
+                <a:latin typeface="맑은 고딕" panose="020F0502020204030204"/>
+                <a:ea typeface="맑은 고딕" panose="020B0503020000020004" pitchFamily="50" charset="-127"/>
+              </a:rPr>
+              <a:t>+ </a:t>
+            </a:r>
+            <a:r>
+              <a:rPr lang="ko-KR" altLang="en-US" sz="1200" dirty="0" err="1">
+                <a:solidFill>
+                  <a:prstClr val="black"/>
+                </a:solidFill>
+                <a:latin typeface="맑은 고딕" panose="020F0502020204030204"/>
+                <a:ea typeface="맑은 고딕" panose="020B0503020000020004" pitchFamily="50" charset="-127"/>
+              </a:rPr>
+              <a:t>어노테이션의</a:t>
+            </a:r>
+            <a:r>
+              <a:rPr lang="ko-KR" altLang="en-US" sz="1200" dirty="0">
+                <a:solidFill>
+                  <a:prstClr val="black"/>
+                </a:solidFill>
+                <a:latin typeface="맑은 고딕" panose="020F0502020204030204"/>
+                <a:ea typeface="맑은 고딕" panose="020B0503020000020004" pitchFamily="50" charset="-127"/>
+              </a:rPr>
+              <a:t> 형태로 작성할 수 있다</a:t>
+            </a:r>
+            <a:r>
+              <a:rPr lang="en-US" altLang="ko-KR" sz="1200" dirty="0">
+                <a:solidFill>
+                  <a:prstClr val="black"/>
+                </a:solidFill>
+                <a:latin typeface="맑은 고딕" panose="020F0502020204030204"/>
+                <a:ea typeface="맑은 고딕" panose="020B0503020000020004" pitchFamily="50" charset="-127"/>
+              </a:rPr>
+              <a:t>.</a:t>
+            </a:r>
+          </a:p>
+          <a:p>
+            <a:pPr marL="0" indent="0">
+              <a:buNone/>
+            </a:pPr>
+            <a:endParaRPr lang="en-US" altLang="ko-KR" sz="1200" dirty="0">
+              <a:solidFill>
+                <a:prstClr val="black"/>
+              </a:solidFill>
+              <a:latin typeface="맑은 고딕" panose="020F0502020204030204"/>
+              <a:ea typeface="맑은 고딕" panose="020B0503020000020004" pitchFamily="50" charset="-127"/>
+            </a:endParaRPr>
+          </a:p>
+        </p:txBody>
+      </p:sp>
+    </p:spTree>
+    <p:extLst>
+      <p:ext uri="{BB962C8B-B14F-4D97-AF65-F5344CB8AC3E}">
+        <p14:creationId xmlns:p14="http://schemas.microsoft.com/office/powerpoint/2010/main" val="464347520"/>
       </p:ext>
     </p:extLst>
   </p:cSld>
